--- a/tese_pp.pptx
+++ b/tese_pp.pptx
@@ -29,7 +29,13 @@
     <p:sldId id="296" r:id="rId23"/>
     <p:sldId id="300" r:id="rId24"/>
     <p:sldId id="295" r:id="rId25"/>
-    <p:sldId id="281" r:id="rId26"/>
+    <p:sldId id="304" r:id="rId26"/>
+    <p:sldId id="303" r:id="rId27"/>
+    <p:sldId id="305" r:id="rId28"/>
+    <p:sldId id="307" r:id="rId29"/>
+    <p:sldId id="306" r:id="rId30"/>
+    <p:sldId id="308" r:id="rId31"/>
+    <p:sldId id="281" r:id="rId32"/>
   </p:sldIdLst>
   <p:sldSz cx="12192000" cy="6858000"/>
   <p:notesSz cx="6858000" cy="9144000"/>
@@ -362,7 +368,7 @@
           <a:p>
             <a:fld id="{F6D29B07-CB44-4619-9F28-117145874ED9}" type="datetimeFigureOut">
               <a:rPr lang="pt-PT" smtClean="0"/>
-              <a:t>26/07/2024</a:t>
+              <a:t>31/07/2024</a:t>
             </a:fld>
             <a:endParaRPr lang="pt-PT"/>
           </a:p>
@@ -570,7 +576,7 @@
           <a:p>
             <a:fld id="{F6D29B07-CB44-4619-9F28-117145874ED9}" type="datetimeFigureOut">
               <a:rPr lang="pt-PT" smtClean="0"/>
-              <a:t>26/07/2024</a:t>
+              <a:t>31/07/2024</a:t>
             </a:fld>
             <a:endParaRPr lang="pt-PT"/>
           </a:p>
@@ -826,7 +832,7 @@
           <a:p>
             <a:fld id="{F6D29B07-CB44-4619-9F28-117145874ED9}" type="datetimeFigureOut">
               <a:rPr lang="pt-PT" smtClean="0"/>
-              <a:t>26/07/2024</a:t>
+              <a:t>31/07/2024</a:t>
             </a:fld>
             <a:endParaRPr lang="pt-PT"/>
           </a:p>
@@ -1000,7 +1006,7 @@
           <a:p>
             <a:fld id="{F6D29B07-CB44-4619-9F28-117145874ED9}" type="datetimeFigureOut">
               <a:rPr lang="pt-PT" smtClean="0"/>
-              <a:t>26/07/2024</a:t>
+              <a:t>31/07/2024</a:t>
             </a:fld>
             <a:endParaRPr lang="pt-PT"/>
           </a:p>
@@ -1343,7 +1349,7 @@
           <a:p>
             <a:fld id="{F6D29B07-CB44-4619-9F28-117145874ED9}" type="datetimeFigureOut">
               <a:rPr lang="pt-PT" smtClean="0"/>
-              <a:t>26/07/2024</a:t>
+              <a:t>31/07/2024</a:t>
             </a:fld>
             <a:endParaRPr lang="pt-PT"/>
           </a:p>
@@ -1618,7 +1624,7 @@
           <a:p>
             <a:fld id="{F6D29B07-CB44-4619-9F28-117145874ED9}" type="datetimeFigureOut">
               <a:rPr lang="pt-PT" smtClean="0"/>
-              <a:t>26/07/2024</a:t>
+              <a:t>31/07/2024</a:t>
             </a:fld>
             <a:endParaRPr lang="pt-PT"/>
           </a:p>
@@ -1997,7 +2003,7 @@
           <a:p>
             <a:fld id="{F6D29B07-CB44-4619-9F28-117145874ED9}" type="datetimeFigureOut">
               <a:rPr lang="pt-PT" smtClean="0"/>
-              <a:t>26/07/2024</a:t>
+              <a:t>31/07/2024</a:t>
             </a:fld>
             <a:endParaRPr lang="pt-PT"/>
           </a:p>
@@ -2115,7 +2121,7 @@
           <a:p>
             <a:fld id="{F6D29B07-CB44-4619-9F28-117145874ED9}" type="datetimeFigureOut">
               <a:rPr lang="pt-PT" smtClean="0"/>
-              <a:t>26/07/2024</a:t>
+              <a:t>31/07/2024</a:t>
             </a:fld>
             <a:endParaRPr lang="pt-PT"/>
           </a:p>
@@ -2286,7 +2292,7 @@
           <a:p>
             <a:fld id="{F6D29B07-CB44-4619-9F28-117145874ED9}" type="datetimeFigureOut">
               <a:rPr lang="pt-PT" smtClean="0"/>
-              <a:t>26/07/2024</a:t>
+              <a:t>31/07/2024</a:t>
             </a:fld>
             <a:endParaRPr lang="pt-PT"/>
           </a:p>
@@ -2640,7 +2646,7 @@
           <a:p>
             <a:fld id="{F6D29B07-CB44-4619-9F28-117145874ED9}" type="datetimeFigureOut">
               <a:rPr lang="pt-PT" smtClean="0"/>
-              <a:t>26/07/2024</a:t>
+              <a:t>31/07/2024</a:t>
             </a:fld>
             <a:endParaRPr lang="pt-PT"/>
           </a:p>
@@ -3022,7 +3028,7 @@
           <a:p>
             <a:fld id="{F6D29B07-CB44-4619-9F28-117145874ED9}" type="datetimeFigureOut">
               <a:rPr lang="pt-PT" smtClean="0"/>
-              <a:t>26/07/2024</a:t>
+              <a:t>31/07/2024</a:t>
             </a:fld>
             <a:endParaRPr lang="pt-PT"/>
           </a:p>
@@ -3309,7 +3315,7 @@
           <a:p>
             <a:fld id="{F6D29B07-CB44-4619-9F28-117145874ED9}" type="datetimeFigureOut">
               <a:rPr lang="pt-PT" smtClean="0"/>
-              <a:t>26/07/2024</a:t>
+              <a:t>31/07/2024</a:t>
             </a:fld>
             <a:endParaRPr lang="pt-PT"/>
           </a:p>
@@ -4900,35 +4906,6 @@
           </a:p>
         </p:txBody>
       </p:sp>
-      <p:pic>
-        <p:nvPicPr>
-          <p:cNvPr id="4" name="Imagem 3">
-            <a:extLst>
-              <a:ext uri="{FF2B5EF4-FFF2-40B4-BE49-F238E27FC236}">
-                <a16:creationId xmlns:a16="http://schemas.microsoft.com/office/drawing/2014/main" id="{606A919F-7CEC-1DE6-C20F-FC56B301F5FC}"/>
-              </a:ext>
-            </a:extLst>
-          </p:cNvPr>
-          <p:cNvPicPr>
-            <a:picLocks noChangeAspect="1"/>
-          </p:cNvPicPr>
-          <p:nvPr/>
-        </p:nvPicPr>
-        <p:blipFill>
-          <a:blip r:embed="rId2"/>
-          <a:srcRect r="2" b="1244"/>
-          <a:stretch/>
-        </p:blipFill>
-        <p:spPr>
-          <a:xfrm>
-            <a:off x="-1" y="10"/>
-            <a:ext cx="4635315" cy="6857989"/>
-          </a:xfrm>
-          <a:prstGeom prst="rect">
-            <a:avLst/>
-          </a:prstGeom>
-        </p:spPr>
-      </p:pic>
       <p:cxnSp>
         <p:nvCxnSpPr>
           <p:cNvPr id="17" name="Straight Connector 16">
@@ -4983,6 +4960,36 @@
           </a:fontRef>
         </p:style>
       </p:cxnSp>
+      <p:pic>
+        <p:nvPicPr>
+          <p:cNvPr id="7" name="Picture 6">
+            <a:extLst>
+              <a:ext uri="{FF2B5EF4-FFF2-40B4-BE49-F238E27FC236}">
+                <a16:creationId xmlns:a16="http://schemas.microsoft.com/office/drawing/2014/main" id="{3763B044-EF35-CB92-E125-C4760A5D366D}"/>
+              </a:ext>
+            </a:extLst>
+          </p:cNvPr>
+          <p:cNvPicPr>
+            <a:picLocks noChangeAspect="1"/>
+          </p:cNvPicPr>
+          <p:nvPr/>
+        </p:nvPicPr>
+        <p:blipFill>
+          <a:blip r:embed="rId2"/>
+          <a:stretch>
+            <a:fillRect/>
+          </a:stretch>
+        </p:blipFill>
+        <p:spPr>
+          <a:xfrm>
+            <a:off x="342149" y="114010"/>
+            <a:ext cx="4343776" cy="6629975"/>
+          </a:xfrm>
+          <a:prstGeom prst="rect">
+            <a:avLst/>
+          </a:prstGeom>
+        </p:spPr>
+      </p:pic>
     </p:spTree>
     <p:extLst>
       <p:ext uri="{BB962C8B-B14F-4D97-AF65-F5344CB8AC3E}">
@@ -5302,35 +5309,6 @@
           </a:p>
         </p:txBody>
       </p:sp>
-      <p:pic>
-        <p:nvPicPr>
-          <p:cNvPr id="8" name="Imagem 7">
-            <a:extLst>
-              <a:ext uri="{FF2B5EF4-FFF2-40B4-BE49-F238E27FC236}">
-                <a16:creationId xmlns:a16="http://schemas.microsoft.com/office/drawing/2014/main" id="{A5EF41C2-5447-3C56-8C61-DD4C52446708}"/>
-              </a:ext>
-            </a:extLst>
-          </p:cNvPr>
-          <p:cNvPicPr>
-            <a:picLocks noChangeAspect="1"/>
-          </p:cNvPicPr>
-          <p:nvPr/>
-        </p:nvPicPr>
-        <p:blipFill>
-          <a:blip r:embed="rId2"/>
-          <a:srcRect t="1243" r="2" b="2"/>
-          <a:stretch/>
-        </p:blipFill>
-        <p:spPr>
-          <a:xfrm>
-            <a:off x="50610" y="-3"/>
-            <a:ext cx="4635315" cy="6857989"/>
-          </a:xfrm>
-          <a:prstGeom prst="rect">
-            <a:avLst/>
-          </a:prstGeom>
-        </p:spPr>
-      </p:pic>
       <p:cxnSp>
         <p:nvCxnSpPr>
           <p:cNvPr id="146" name="Straight Connector 145">
@@ -5385,6 +5363,36 @@
           </a:fontRef>
         </p:style>
       </p:cxnSp>
+      <p:pic>
+        <p:nvPicPr>
+          <p:cNvPr id="6" name="Picture 5">
+            <a:extLst>
+              <a:ext uri="{FF2B5EF4-FFF2-40B4-BE49-F238E27FC236}">
+                <a16:creationId xmlns:a16="http://schemas.microsoft.com/office/drawing/2014/main" id="{120A0944-979D-6962-A7E1-AC38EA137E42}"/>
+              </a:ext>
+            </a:extLst>
+          </p:cNvPr>
+          <p:cNvPicPr>
+            <a:picLocks noChangeAspect="1"/>
+          </p:cNvPicPr>
+          <p:nvPr/>
+        </p:nvPicPr>
+        <p:blipFill>
+          <a:blip r:embed="rId2"/>
+          <a:stretch>
+            <a:fillRect/>
+          </a:stretch>
+        </p:blipFill>
+        <p:spPr>
+          <a:xfrm>
+            <a:off x="304045" y="133062"/>
+            <a:ext cx="4381880" cy="6591871"/>
+          </a:xfrm>
+          <a:prstGeom prst="rect">
+            <a:avLst/>
+          </a:prstGeom>
+        </p:spPr>
+      </p:pic>
     </p:spTree>
     <p:extLst>
       <p:ext uri="{BB962C8B-B14F-4D97-AF65-F5344CB8AC3E}">
@@ -5796,35 +5804,6 @@
           </a:p>
         </p:txBody>
       </p:sp>
-      <p:pic>
-        <p:nvPicPr>
-          <p:cNvPr id="4" name="Imagem 3">
-            <a:extLst>
-              <a:ext uri="{FF2B5EF4-FFF2-40B4-BE49-F238E27FC236}">
-                <a16:creationId xmlns:a16="http://schemas.microsoft.com/office/drawing/2014/main" id="{7DE46F52-AE6D-EF2C-E503-E68D5F215B6D}"/>
-              </a:ext>
-            </a:extLst>
-          </p:cNvPr>
-          <p:cNvPicPr>
-            <a:picLocks noChangeAspect="1"/>
-          </p:cNvPicPr>
-          <p:nvPr/>
-        </p:nvPicPr>
-        <p:blipFill>
-          <a:blip r:embed="rId2"/>
-          <a:srcRect t="1243" r="2" b="2"/>
-          <a:stretch/>
-        </p:blipFill>
-        <p:spPr>
-          <a:xfrm>
-            <a:off x="-1" y="10"/>
-            <a:ext cx="4635315" cy="6857989"/>
-          </a:xfrm>
-          <a:prstGeom prst="rect">
-            <a:avLst/>
-          </a:prstGeom>
-        </p:spPr>
-      </p:pic>
       <p:cxnSp>
         <p:nvCxnSpPr>
           <p:cNvPr id="17" name="Straight Connector 16">
@@ -5879,6 +5858,36 @@
           </a:fontRef>
         </p:style>
       </p:cxnSp>
+      <p:pic>
+        <p:nvPicPr>
+          <p:cNvPr id="18" name="Picture 17">
+            <a:extLst>
+              <a:ext uri="{FF2B5EF4-FFF2-40B4-BE49-F238E27FC236}">
+                <a16:creationId xmlns:a16="http://schemas.microsoft.com/office/drawing/2014/main" id="{32ADBE4F-0C54-D68C-48F9-3C143DF4FCBD}"/>
+              </a:ext>
+            </a:extLst>
+          </p:cNvPr>
+          <p:cNvPicPr>
+            <a:picLocks noChangeAspect="1"/>
+          </p:cNvPicPr>
+          <p:nvPr/>
+        </p:nvPicPr>
+        <p:blipFill>
+          <a:blip r:embed="rId2"/>
+          <a:stretch>
+            <a:fillRect/>
+          </a:stretch>
+        </p:blipFill>
+        <p:spPr>
+          <a:xfrm>
+            <a:off x="182146" y="129252"/>
+            <a:ext cx="4381880" cy="6599492"/>
+          </a:xfrm>
+          <a:prstGeom prst="rect">
+            <a:avLst/>
+          </a:prstGeom>
+        </p:spPr>
+      </p:pic>
     </p:spTree>
     <p:extLst>
       <p:ext uri="{BB962C8B-B14F-4D97-AF65-F5344CB8AC3E}">
@@ -6198,35 +6207,6 @@
           </a:p>
         </p:txBody>
       </p:sp>
-      <p:pic>
-        <p:nvPicPr>
-          <p:cNvPr id="4" name="Imagem 3">
-            <a:extLst>
-              <a:ext uri="{FF2B5EF4-FFF2-40B4-BE49-F238E27FC236}">
-                <a16:creationId xmlns:a16="http://schemas.microsoft.com/office/drawing/2014/main" id="{816F82CC-40E8-3894-4874-DC7B4636CAA2}"/>
-              </a:ext>
-            </a:extLst>
-          </p:cNvPr>
-          <p:cNvPicPr>
-            <a:picLocks noChangeAspect="1"/>
-          </p:cNvPicPr>
-          <p:nvPr/>
-        </p:nvPicPr>
-        <p:blipFill>
-          <a:blip r:embed="rId2"/>
-          <a:srcRect t="1243" r="2" b="2"/>
-          <a:stretch/>
-        </p:blipFill>
-        <p:spPr>
-          <a:xfrm>
-            <a:off x="-1" y="10"/>
-            <a:ext cx="4635315" cy="6857989"/>
-          </a:xfrm>
-          <a:prstGeom prst="rect">
-            <a:avLst/>
-          </a:prstGeom>
-        </p:spPr>
-      </p:pic>
       <p:cxnSp>
         <p:nvCxnSpPr>
           <p:cNvPr id="17" name="Straight Connector 16">
@@ -6281,6 +6261,36 @@
           </a:fontRef>
         </p:style>
       </p:cxnSp>
+      <p:pic>
+        <p:nvPicPr>
+          <p:cNvPr id="7" name="Picture 6">
+            <a:extLst>
+              <a:ext uri="{FF2B5EF4-FFF2-40B4-BE49-F238E27FC236}">
+                <a16:creationId xmlns:a16="http://schemas.microsoft.com/office/drawing/2014/main" id="{FFA43E98-5BE2-3037-BDAF-89ED2C74B81E}"/>
+              </a:ext>
+            </a:extLst>
+          </p:cNvPr>
+          <p:cNvPicPr>
+            <a:picLocks noChangeAspect="1"/>
+          </p:cNvPicPr>
+          <p:nvPr/>
+        </p:nvPicPr>
+        <p:blipFill>
+          <a:blip r:embed="rId2"/>
+          <a:stretch>
+            <a:fillRect/>
+          </a:stretch>
+        </p:blipFill>
+        <p:spPr>
+          <a:xfrm>
+            <a:off x="326907" y="133062"/>
+            <a:ext cx="4359018" cy="6591871"/>
+          </a:xfrm>
+          <a:prstGeom prst="rect">
+            <a:avLst/>
+          </a:prstGeom>
+        </p:spPr>
+      </p:pic>
     </p:spTree>
     <p:extLst>
       <p:ext uri="{BB962C8B-B14F-4D97-AF65-F5344CB8AC3E}">
@@ -7456,13 +7466,7 @@
   <p:cSld>
     <p:spTree>
       <p:nvGrpSpPr>
-        <p:cNvPr id="1" name="">
-          <a:extLst>
-            <a:ext uri="{FF2B5EF4-FFF2-40B4-BE49-F238E27FC236}">
-              <a16:creationId xmlns:a16="http://schemas.microsoft.com/office/drawing/2014/main" id="{BE904C8D-000D-F4D6-5016-41605ED20DF0}"/>
-            </a:ext>
-          </a:extLst>
-        </p:cNvPr>
+        <p:cNvPr id="1" name=""/>
         <p:cNvGrpSpPr/>
         <p:nvPr/>
       </p:nvGrpSpPr>
@@ -7476,10 +7480,10 @@
       </p:grpSpPr>
       <p:sp>
         <p:nvSpPr>
-          <p:cNvPr id="2" name="Título 1">
-            <a:extLst>
-              <a:ext uri="{FF2B5EF4-FFF2-40B4-BE49-F238E27FC236}">
-                <a16:creationId xmlns:a16="http://schemas.microsoft.com/office/drawing/2014/main" id="{9245807C-7998-E68F-EF66-F5FF6DEF9E9D}"/>
+          <p:cNvPr id="2" name="Title 1">
+            <a:extLst>
+              <a:ext uri="{FF2B5EF4-FFF2-40B4-BE49-F238E27FC236}">
+                <a16:creationId xmlns:a16="http://schemas.microsoft.com/office/drawing/2014/main" id="{3CEA1D11-6541-D52D-13E4-C96606AB1CE9}"/>
               </a:ext>
             </a:extLst>
           </p:cNvPr>
@@ -7487,45 +7491,27 @@
             <a:spLocks noGrp="1"/>
           </p:cNvSpPr>
           <p:nvPr>
-            <p:ph type="ctrTitle"/>
-          </p:nvPr>
-        </p:nvSpPr>
-        <p:spPr>
-          <a:xfrm>
-            <a:off x="1175632" y="2037973"/>
-            <a:ext cx="8915399" cy="2262781"/>
-          </a:xfrm>
-        </p:spPr>
-        <p:txBody>
-          <a:bodyPr>
-            <a:normAutofit fontScale="90000"/>
-          </a:bodyPr>
-          <a:lstStyle/>
-          <a:p>
-            <a:r>
-              <a:rPr lang="en-GB" sz="5400" dirty="0"/>
-              <a:t>Prediction of the evolution of Alzheimer’s Disease  </a:t>
-            </a:r>
-            <a:br>
-              <a:rPr lang="en-GB" sz="3600" dirty="0"/>
-            </a:br>
-            <a:br>
-              <a:rPr lang="en-GB" sz="3600" dirty="0"/>
-            </a:br>
-            <a:r>
-              <a:rPr lang="en-GB" sz="3600" dirty="0"/>
-              <a:t>A study with a multimodal approach</a:t>
-            </a:r>
-            <a:endParaRPr lang="pt-PT" sz="3600" dirty="0"/>
-          </a:p>
-        </p:txBody>
-      </p:sp>
-      <p:sp>
-        <p:nvSpPr>
-          <p:cNvPr id="3" name="Subtítulo 2">
-            <a:extLst>
-              <a:ext uri="{FF2B5EF4-FFF2-40B4-BE49-F238E27FC236}">
-                <a16:creationId xmlns:a16="http://schemas.microsoft.com/office/drawing/2014/main" id="{0DBFB365-9C79-DDA8-7A0E-605004AB0A30}"/>
+            <p:ph type="title"/>
+          </p:nvPr>
+        </p:nvSpPr>
+        <p:spPr/>
+        <p:txBody>
+          <a:bodyPr/>
+          <a:lstStyle/>
+          <a:p>
+            <a:r>
+              <a:rPr lang="en-GB" dirty="0"/>
+              <a:t>PCA Diagnosis Group Definition</a:t>
+            </a:r>
+          </a:p>
+        </p:txBody>
+      </p:sp>
+      <p:sp>
+        <p:nvSpPr>
+          <p:cNvPr id="3" name="Text Placeholder 2">
+            <a:extLst>
+              <a:ext uri="{FF2B5EF4-FFF2-40B4-BE49-F238E27FC236}">
+                <a16:creationId xmlns:a16="http://schemas.microsoft.com/office/drawing/2014/main" id="{885082A1-C44A-322F-7433-599BA715B6D1}"/>
               </a:ext>
             </a:extLst>
           </p:cNvPr>
@@ -7533,54 +7519,437 @@
             <a:spLocks noGrp="1"/>
           </p:cNvSpPr>
           <p:nvPr>
-            <p:ph type="subTitle" idx="1"/>
-          </p:nvPr>
-        </p:nvSpPr>
-        <p:spPr>
-          <a:xfrm>
-            <a:off x="1100050" y="4455620"/>
-            <a:ext cx="10884685" cy="1847644"/>
-          </a:xfrm>
-        </p:spPr>
-        <p:txBody>
-          <a:bodyPr>
-            <a:normAutofit fontScale="77500" lnSpcReduction="20000"/>
-          </a:bodyPr>
-          <a:lstStyle/>
-          <a:p>
-            <a:r>
-              <a:rPr lang="en-US" b="1" dirty="0"/>
-              <a:t>Ciarán McEvoy, A87240</a:t>
-            </a:r>
-          </a:p>
-          <a:p>
-            <a:endParaRPr lang="en-US" dirty="0"/>
-          </a:p>
-          <a:p>
-            <a:r>
-              <a:rPr lang="en-GB" dirty="0"/>
-              <a:t>Dissertation supervised by </a:t>
-            </a:r>
-          </a:p>
-          <a:p>
-            <a:r>
-              <a:rPr lang="en-GB" dirty="0"/>
-              <a:t>Vitor Alves </a:t>
-            </a:r>
-          </a:p>
-          <a:p>
-            <a:r>
-              <a:rPr lang="en-GB" dirty="0"/>
-              <a:t>Tiago Gil Oliveira</a:t>
-            </a:r>
-            <a:endParaRPr lang="pt-PT" dirty="0"/>
+            <p:ph type="body" idx="1"/>
+          </p:nvPr>
+        </p:nvSpPr>
+        <p:spPr/>
+        <p:txBody>
+          <a:bodyPr/>
+          <a:lstStyle/>
+          <a:p>
+            <a:endParaRPr lang="en-GB"/>
           </a:p>
         </p:txBody>
       </p:sp>
     </p:spTree>
     <p:extLst>
       <p:ext uri="{BB962C8B-B14F-4D97-AF65-F5344CB8AC3E}">
-        <p14:creationId xmlns:p14="http://schemas.microsoft.com/office/powerpoint/2010/main" val="1687923653"/>
+        <p14:creationId xmlns:p14="http://schemas.microsoft.com/office/powerpoint/2010/main" val="1288207359"/>
+      </p:ext>
+    </p:extLst>
+  </p:cSld>
+  <p:clrMapOvr>
+    <a:masterClrMapping/>
+  </p:clrMapOvr>
+</p:sld>
+</file>
+
+<file path=ppt/slides/slide26.xml><?xml version="1.0" encoding="utf-8"?>
+<p:sld xmlns:a="http://schemas.openxmlformats.org/drawingml/2006/main" xmlns:r="http://schemas.openxmlformats.org/officeDocument/2006/relationships" xmlns:p="http://schemas.openxmlformats.org/presentationml/2006/main">
+  <p:cSld>
+    <p:bg>
+      <p:bgPr>
+        <a:solidFill>
+          <a:schemeClr val="bg1"/>
+        </a:solidFill>
+        <a:effectLst/>
+      </p:bgPr>
+    </p:bg>
+    <p:spTree>
+      <p:nvGrpSpPr>
+        <p:cNvPr id="1" name=""/>
+        <p:cNvGrpSpPr/>
+        <p:nvPr/>
+      </p:nvGrpSpPr>
+      <p:grpSpPr>
+        <a:xfrm>
+          <a:off x="0" y="0"/>
+          <a:ext cx="0" cy="0"/>
+          <a:chOff x="0" y="0"/>
+          <a:chExt cx="0" cy="0"/>
+        </a:xfrm>
+      </p:grpSpPr>
+      <p:pic>
+        <p:nvPicPr>
+          <p:cNvPr id="2" name="Picture 1">
+            <a:extLst>
+              <a:ext uri="{FF2B5EF4-FFF2-40B4-BE49-F238E27FC236}">
+                <a16:creationId xmlns:a16="http://schemas.microsoft.com/office/drawing/2014/main" id="{D92F1182-8ECD-7933-5308-B2EC25D39319}"/>
+              </a:ext>
+            </a:extLst>
+          </p:cNvPr>
+          <p:cNvPicPr>
+            <a:picLocks noChangeAspect="1"/>
+          </p:cNvPicPr>
+          <p:nvPr/>
+        </p:nvPicPr>
+        <p:blipFill>
+          <a:blip r:embed="rId2"/>
+          <a:stretch>
+            <a:fillRect/>
+          </a:stretch>
+        </p:blipFill>
+        <p:spPr>
+          <a:xfrm>
+            <a:off x="4090219" y="152369"/>
+            <a:ext cx="3923071" cy="5899354"/>
+          </a:xfrm>
+          <a:prstGeom prst="rect">
+            <a:avLst/>
+          </a:prstGeom>
+        </p:spPr>
+      </p:pic>
+    </p:spTree>
+    <p:extLst>
+      <p:ext uri="{BB962C8B-B14F-4D97-AF65-F5344CB8AC3E}">
+        <p14:creationId xmlns:p14="http://schemas.microsoft.com/office/powerpoint/2010/main" val="3242124224"/>
+      </p:ext>
+    </p:extLst>
+  </p:cSld>
+  <p:clrMapOvr>
+    <a:masterClrMapping/>
+  </p:clrMapOvr>
+</p:sld>
+</file>
+
+<file path=ppt/slides/slide27.xml><?xml version="1.0" encoding="utf-8"?>
+<p:sld xmlns:a="http://schemas.openxmlformats.org/drawingml/2006/main" xmlns:r="http://schemas.openxmlformats.org/officeDocument/2006/relationships" xmlns:p="http://schemas.openxmlformats.org/presentationml/2006/main">
+  <p:cSld>
+    <p:spTree>
+      <p:nvGrpSpPr>
+        <p:cNvPr id="1" name=""/>
+        <p:cNvGrpSpPr/>
+        <p:nvPr/>
+      </p:nvGrpSpPr>
+      <p:grpSpPr>
+        <a:xfrm>
+          <a:off x="0" y="0"/>
+          <a:ext cx="0" cy="0"/>
+          <a:chOff x="0" y="0"/>
+          <a:chExt cx="0" cy="0"/>
+        </a:xfrm>
+      </p:grpSpPr>
+      <p:pic>
+        <p:nvPicPr>
+          <p:cNvPr id="3" name="Picture 2">
+            <a:extLst>
+              <a:ext uri="{FF2B5EF4-FFF2-40B4-BE49-F238E27FC236}">
+                <a16:creationId xmlns:a16="http://schemas.microsoft.com/office/drawing/2014/main" id="{FE01C662-49C5-4592-3CDB-66845659A304}"/>
+              </a:ext>
+            </a:extLst>
+          </p:cNvPr>
+          <p:cNvPicPr>
+            <a:picLocks noChangeAspect="1"/>
+          </p:cNvPicPr>
+          <p:nvPr/>
+        </p:nvPicPr>
+        <p:blipFill>
+          <a:blip r:embed="rId2"/>
+          <a:stretch>
+            <a:fillRect/>
+          </a:stretch>
+        </p:blipFill>
+        <p:spPr>
+          <a:xfrm>
+            <a:off x="3905060" y="1"/>
+            <a:ext cx="4072916" cy="6105831"/>
+          </a:xfrm>
+          <a:prstGeom prst="rect">
+            <a:avLst/>
+          </a:prstGeom>
+        </p:spPr>
+      </p:pic>
+      <p:sp>
+        <p:nvSpPr>
+          <p:cNvPr id="4" name="TextBox 3">
+            <a:extLst>
+              <a:ext uri="{FF2B5EF4-FFF2-40B4-BE49-F238E27FC236}">
+                <a16:creationId xmlns:a16="http://schemas.microsoft.com/office/drawing/2014/main" id="{762577AB-8209-8B96-22BC-A902674DDC89}"/>
+              </a:ext>
+            </a:extLst>
+          </p:cNvPr>
+          <p:cNvSpPr txBox="1"/>
+          <p:nvPr/>
+        </p:nvSpPr>
+        <p:spPr>
+          <a:xfrm>
+            <a:off x="609600" y="2202426"/>
+            <a:ext cx="2281084" cy="1477328"/>
+          </a:xfrm>
+          <a:prstGeom prst="rect">
+            <a:avLst/>
+          </a:prstGeom>
+          <a:noFill/>
+        </p:spPr>
+        <p:txBody>
+          <a:bodyPr wrap="square" rtlCol="0">
+            <a:spAutoFit/>
+          </a:bodyPr>
+          <a:lstStyle/>
+          <a:p>
+            <a:r>
+              <a:rPr lang="en-GB" dirty="0"/>
+              <a:t>*</a:t>
+            </a:r>
+            <a:r>
+              <a:rPr lang="pt-PT" dirty="0"/>
+              <a:t>removidos pacientes com MCI e uma idade superior a 70</a:t>
+            </a:r>
+          </a:p>
+          <a:p>
+            <a:r>
+              <a:rPr lang="pt-PT" dirty="0"/>
+              <a:t>Eclipse nível 0.30</a:t>
+            </a:r>
+          </a:p>
+          <a:p>
+            <a:r>
+              <a:rPr lang="pt-PT" dirty="0"/>
+              <a:t>Top 200</a:t>
+            </a:r>
+          </a:p>
+        </p:txBody>
+      </p:sp>
+    </p:spTree>
+    <p:extLst>
+      <p:ext uri="{BB962C8B-B14F-4D97-AF65-F5344CB8AC3E}">
+        <p14:creationId xmlns:p14="http://schemas.microsoft.com/office/powerpoint/2010/main" val="2058350274"/>
+      </p:ext>
+    </p:extLst>
+  </p:cSld>
+  <p:clrMapOvr>
+    <a:masterClrMapping/>
+  </p:clrMapOvr>
+</p:sld>
+</file>
+
+<file path=ppt/slides/slide28.xml><?xml version="1.0" encoding="utf-8"?>
+<p:sld xmlns:a="http://schemas.openxmlformats.org/drawingml/2006/main" xmlns:r="http://schemas.openxmlformats.org/officeDocument/2006/relationships" xmlns:p="http://schemas.openxmlformats.org/presentationml/2006/main">
+  <p:cSld>
+    <p:spTree>
+      <p:nvGrpSpPr>
+        <p:cNvPr id="1" name=""/>
+        <p:cNvGrpSpPr/>
+        <p:nvPr/>
+      </p:nvGrpSpPr>
+      <p:grpSpPr>
+        <a:xfrm>
+          <a:off x="0" y="0"/>
+          <a:ext cx="0" cy="0"/>
+          <a:chOff x="0" y="0"/>
+          <a:chExt cx="0" cy="0"/>
+        </a:xfrm>
+      </p:grpSpPr>
+      <p:pic>
+        <p:nvPicPr>
+          <p:cNvPr id="3" name="Imagem 2">
+            <a:extLst>
+              <a:ext uri="{FF2B5EF4-FFF2-40B4-BE49-F238E27FC236}">
+                <a16:creationId xmlns:a16="http://schemas.microsoft.com/office/drawing/2014/main" id="{BEFF5908-D698-B3B5-670C-F1C53CF82C85}"/>
+              </a:ext>
+            </a:extLst>
+          </p:cNvPr>
+          <p:cNvPicPr>
+            <a:picLocks noChangeAspect="1"/>
+          </p:cNvPicPr>
+          <p:nvPr/>
+        </p:nvPicPr>
+        <p:blipFill>
+          <a:blip r:embed="rId2"/>
+          <a:stretch>
+            <a:fillRect/>
+          </a:stretch>
+        </p:blipFill>
+        <p:spPr>
+          <a:xfrm>
+            <a:off x="3916491" y="1"/>
+            <a:ext cx="4145961" cy="6247934"/>
+          </a:xfrm>
+          <a:prstGeom prst="rect">
+            <a:avLst/>
+          </a:prstGeom>
+        </p:spPr>
+      </p:pic>
+      <p:sp>
+        <p:nvSpPr>
+          <p:cNvPr id="4" name="TextBox 3">
+            <a:extLst>
+              <a:ext uri="{FF2B5EF4-FFF2-40B4-BE49-F238E27FC236}">
+                <a16:creationId xmlns:a16="http://schemas.microsoft.com/office/drawing/2014/main" id="{765C9745-B3EE-A6F5-3EE0-42262A93AA2A}"/>
+              </a:ext>
+            </a:extLst>
+          </p:cNvPr>
+          <p:cNvSpPr txBox="1"/>
+          <p:nvPr/>
+        </p:nvSpPr>
+        <p:spPr>
+          <a:xfrm>
+            <a:off x="609600" y="2202426"/>
+            <a:ext cx="2281084" cy="1754326"/>
+          </a:xfrm>
+          <a:prstGeom prst="rect">
+            <a:avLst/>
+          </a:prstGeom>
+          <a:noFill/>
+        </p:spPr>
+        <p:txBody>
+          <a:bodyPr wrap="square" rtlCol="0">
+            <a:spAutoFit/>
+          </a:bodyPr>
+          <a:lstStyle/>
+          <a:p>
+            <a:r>
+              <a:rPr lang="en-GB" dirty="0"/>
+              <a:t>*</a:t>
+            </a:r>
+            <a:r>
+              <a:rPr lang="pt-PT" dirty="0"/>
+              <a:t>removidos pacientes com MCI e uma idade superior a 70</a:t>
+            </a:r>
+          </a:p>
+          <a:p>
+            <a:r>
+              <a:rPr lang="pt-PT" dirty="0"/>
+              <a:t>Eclipse nível 0.30</a:t>
+            </a:r>
+          </a:p>
+          <a:p>
+            <a:r>
+              <a:rPr lang="pt-PT" dirty="0"/>
+              <a:t>Top 100</a:t>
+            </a:r>
+          </a:p>
+          <a:p>
+            <a:r>
+              <a:rPr lang="pt-PT" dirty="0" err="1"/>
+              <a:t>Biplot</a:t>
+            </a:r>
+            <a:endParaRPr lang="pt-PT" dirty="0"/>
+          </a:p>
+        </p:txBody>
+      </p:sp>
+    </p:spTree>
+    <p:extLst>
+      <p:ext uri="{BB962C8B-B14F-4D97-AF65-F5344CB8AC3E}">
+        <p14:creationId xmlns:p14="http://schemas.microsoft.com/office/powerpoint/2010/main" val="162240729"/>
+      </p:ext>
+    </p:extLst>
+  </p:cSld>
+  <p:clrMapOvr>
+    <a:masterClrMapping/>
+  </p:clrMapOvr>
+</p:sld>
+</file>
+
+<file path=ppt/slides/slide29.xml><?xml version="1.0" encoding="utf-8"?>
+<p:sld xmlns:a="http://schemas.openxmlformats.org/drawingml/2006/main" xmlns:r="http://schemas.openxmlformats.org/officeDocument/2006/relationships" xmlns:p="http://schemas.openxmlformats.org/presentationml/2006/main">
+  <p:cSld>
+    <p:spTree>
+      <p:nvGrpSpPr>
+        <p:cNvPr id="1" name=""/>
+        <p:cNvGrpSpPr/>
+        <p:nvPr/>
+      </p:nvGrpSpPr>
+      <p:grpSpPr>
+        <a:xfrm>
+          <a:off x="0" y="0"/>
+          <a:ext cx="0" cy="0"/>
+          <a:chOff x="0" y="0"/>
+          <a:chExt cx="0" cy="0"/>
+        </a:xfrm>
+      </p:grpSpPr>
+      <p:pic>
+        <p:nvPicPr>
+          <p:cNvPr id="3" name="Imagem 2">
+            <a:extLst>
+              <a:ext uri="{FF2B5EF4-FFF2-40B4-BE49-F238E27FC236}">
+                <a16:creationId xmlns:a16="http://schemas.microsoft.com/office/drawing/2014/main" id="{C10A0BEA-4E5F-A489-CAA8-F69594ADA33A}"/>
+              </a:ext>
+            </a:extLst>
+          </p:cNvPr>
+          <p:cNvPicPr>
+            <a:picLocks noChangeAspect="1"/>
+          </p:cNvPicPr>
+          <p:nvPr/>
+        </p:nvPicPr>
+        <p:blipFill>
+          <a:blip r:embed="rId2"/>
+          <a:stretch>
+            <a:fillRect/>
+          </a:stretch>
+        </p:blipFill>
+        <p:spPr>
+          <a:xfrm>
+            <a:off x="3817274" y="140685"/>
+            <a:ext cx="4019036" cy="6021577"/>
+          </a:xfrm>
+          <a:prstGeom prst="rect">
+            <a:avLst/>
+          </a:prstGeom>
+        </p:spPr>
+      </p:pic>
+      <p:sp>
+        <p:nvSpPr>
+          <p:cNvPr id="4" name="TextBox 3">
+            <a:extLst>
+              <a:ext uri="{FF2B5EF4-FFF2-40B4-BE49-F238E27FC236}">
+                <a16:creationId xmlns:a16="http://schemas.microsoft.com/office/drawing/2014/main" id="{43CDD18E-30E5-5A49-C59E-FEB2209D1076}"/>
+              </a:ext>
+            </a:extLst>
+          </p:cNvPr>
+          <p:cNvSpPr txBox="1"/>
+          <p:nvPr/>
+        </p:nvSpPr>
+        <p:spPr>
+          <a:xfrm>
+            <a:off x="324465" y="875071"/>
+            <a:ext cx="2281084" cy="1754326"/>
+          </a:xfrm>
+          <a:prstGeom prst="rect">
+            <a:avLst/>
+          </a:prstGeom>
+          <a:noFill/>
+        </p:spPr>
+        <p:txBody>
+          <a:bodyPr wrap="square" rtlCol="0">
+            <a:spAutoFit/>
+          </a:bodyPr>
+          <a:lstStyle/>
+          <a:p>
+            <a:r>
+              <a:rPr lang="en-GB" dirty="0"/>
+              <a:t>*</a:t>
+            </a:r>
+            <a:r>
+              <a:rPr lang="pt-PT" dirty="0"/>
+              <a:t>removidos pacientes com MCI e uma idade superior a 70</a:t>
+            </a:r>
+          </a:p>
+          <a:p>
+            <a:r>
+              <a:rPr lang="pt-PT" dirty="0"/>
+              <a:t>Eclipse nível 0.30</a:t>
+            </a:r>
+          </a:p>
+          <a:p>
+            <a:r>
+              <a:rPr lang="pt-PT" dirty="0"/>
+              <a:t>Top 30 contribuições</a:t>
+            </a:r>
+          </a:p>
+          <a:p>
+            <a:r>
+              <a:rPr lang="pt-PT" dirty="0" err="1"/>
+              <a:t>Biplot</a:t>
+            </a:r>
+            <a:endParaRPr lang="pt-PT" dirty="0"/>
+          </a:p>
+        </p:txBody>
+      </p:sp>
+    </p:spTree>
+    <p:extLst>
+      <p:ext uri="{BB962C8B-B14F-4D97-AF65-F5344CB8AC3E}">
+        <p14:creationId xmlns:p14="http://schemas.microsoft.com/office/powerpoint/2010/main" val="1091857663"/>
       </p:ext>
     </p:extLst>
   </p:cSld>
@@ -7939,6 +8308,673 @@
     <p:extLst>
       <p:ext uri="{BB962C8B-B14F-4D97-AF65-F5344CB8AC3E}">
         <p14:creationId xmlns:p14="http://schemas.microsoft.com/office/powerpoint/2010/main" val="2871245093"/>
+      </p:ext>
+    </p:extLst>
+  </p:cSld>
+  <p:clrMapOvr>
+    <a:masterClrMapping/>
+  </p:clrMapOvr>
+</p:sld>
+</file>
+
+<file path=ppt/slides/slide30.xml><?xml version="1.0" encoding="utf-8"?>
+<p:sld xmlns:a="http://schemas.openxmlformats.org/drawingml/2006/main" xmlns:r="http://schemas.openxmlformats.org/officeDocument/2006/relationships" xmlns:p="http://schemas.openxmlformats.org/presentationml/2006/main">
+  <p:cSld>
+    <p:spTree>
+      <p:nvGrpSpPr>
+        <p:cNvPr id="1" name=""/>
+        <p:cNvGrpSpPr/>
+        <p:nvPr/>
+      </p:nvGrpSpPr>
+      <p:grpSpPr>
+        <a:xfrm>
+          <a:off x="0" y="0"/>
+          <a:ext cx="0" cy="0"/>
+          <a:chOff x="0" y="0"/>
+          <a:chExt cx="0" cy="0"/>
+        </a:xfrm>
+      </p:grpSpPr>
+      <p:pic>
+        <p:nvPicPr>
+          <p:cNvPr id="3" name="Imagem 2">
+            <a:extLst>
+              <a:ext uri="{FF2B5EF4-FFF2-40B4-BE49-F238E27FC236}">
+                <a16:creationId xmlns:a16="http://schemas.microsoft.com/office/drawing/2014/main" id="{BFFF1B2A-48AE-1590-19F8-A3FA4D0C3E10}"/>
+              </a:ext>
+            </a:extLst>
+          </p:cNvPr>
+          <p:cNvPicPr>
+            <a:picLocks noChangeAspect="1"/>
+          </p:cNvPicPr>
+          <p:nvPr/>
+        </p:nvPicPr>
+        <p:blipFill>
+          <a:blip r:embed="rId2"/>
+          <a:stretch>
+            <a:fillRect/>
+          </a:stretch>
+        </p:blipFill>
+        <p:spPr>
+          <a:xfrm>
+            <a:off x="3905059" y="0"/>
+            <a:ext cx="4150339" cy="6221898"/>
+          </a:xfrm>
+          <a:prstGeom prst="rect">
+            <a:avLst/>
+          </a:prstGeom>
+        </p:spPr>
+      </p:pic>
+      <p:sp>
+        <p:nvSpPr>
+          <p:cNvPr id="4" name="TextBox 3">
+            <a:extLst>
+              <a:ext uri="{FF2B5EF4-FFF2-40B4-BE49-F238E27FC236}">
+                <a16:creationId xmlns:a16="http://schemas.microsoft.com/office/drawing/2014/main" id="{C77B6D9F-2CF2-3437-AD34-0CF8191C6AB0}"/>
+              </a:ext>
+            </a:extLst>
+          </p:cNvPr>
+          <p:cNvSpPr txBox="1"/>
+          <p:nvPr/>
+        </p:nvSpPr>
+        <p:spPr>
+          <a:xfrm>
+            <a:off x="324465" y="875071"/>
+            <a:ext cx="2281084" cy="1754326"/>
+          </a:xfrm>
+          <a:prstGeom prst="rect">
+            <a:avLst/>
+          </a:prstGeom>
+          <a:noFill/>
+        </p:spPr>
+        <p:txBody>
+          <a:bodyPr wrap="square" rtlCol="0">
+            <a:spAutoFit/>
+          </a:bodyPr>
+          <a:lstStyle/>
+          <a:p>
+            <a:r>
+              <a:rPr lang="en-GB" dirty="0"/>
+              <a:t>*</a:t>
+            </a:r>
+            <a:r>
+              <a:rPr lang="pt-PT" dirty="0"/>
+              <a:t>removidos pacientes com MCI e uma idade superior a 70</a:t>
+            </a:r>
+          </a:p>
+          <a:p>
+            <a:r>
+              <a:rPr lang="pt-PT" dirty="0"/>
+              <a:t>Eclipse nível 0.30</a:t>
+            </a:r>
+          </a:p>
+          <a:p>
+            <a:r>
+              <a:rPr lang="pt-PT" dirty="0"/>
+              <a:t>Top 100 contribuições</a:t>
+            </a:r>
+          </a:p>
+          <a:p>
+            <a:r>
+              <a:rPr lang="pt-PT" dirty="0" err="1"/>
+              <a:t>Biplot</a:t>
+            </a:r>
+            <a:endParaRPr lang="pt-PT" dirty="0"/>
+          </a:p>
+        </p:txBody>
+      </p:sp>
+    </p:spTree>
+    <p:extLst>
+      <p:ext uri="{BB962C8B-B14F-4D97-AF65-F5344CB8AC3E}">
+        <p14:creationId xmlns:p14="http://schemas.microsoft.com/office/powerpoint/2010/main" val="435034793"/>
+      </p:ext>
+    </p:extLst>
+  </p:cSld>
+  <p:clrMapOvr>
+    <a:masterClrMapping/>
+  </p:clrMapOvr>
+</p:sld>
+</file>
+
+<file path=ppt/slides/slide31.xml><?xml version="1.0" encoding="utf-8"?>
+<p:sld xmlns:a="http://schemas.openxmlformats.org/drawingml/2006/main" xmlns:r="http://schemas.openxmlformats.org/officeDocument/2006/relationships" xmlns:p="http://schemas.openxmlformats.org/presentationml/2006/main">
+  <p:cSld>
+    <p:bg>
+      <p:bgPr>
+        <a:solidFill>
+          <a:schemeClr val="bg1"/>
+        </a:solidFill>
+        <a:effectLst/>
+      </p:bgPr>
+    </p:bg>
+    <p:spTree>
+      <p:nvGrpSpPr>
+        <p:cNvPr id="1" name="">
+          <a:extLst>
+            <a:ext uri="{FF2B5EF4-FFF2-40B4-BE49-F238E27FC236}">
+              <a16:creationId xmlns:a16="http://schemas.microsoft.com/office/drawing/2014/main" id="{BE904C8D-000D-F4D6-5016-41605ED20DF0}"/>
+            </a:ext>
+          </a:extLst>
+        </p:cNvPr>
+        <p:cNvGrpSpPr/>
+        <p:nvPr/>
+      </p:nvGrpSpPr>
+      <p:grpSpPr>
+        <a:xfrm>
+          <a:off x="0" y="0"/>
+          <a:ext cx="0" cy="0"/>
+          <a:chOff x="0" y="0"/>
+          <a:chExt cx="0" cy="0"/>
+        </a:xfrm>
+      </p:grpSpPr>
+      <p:sp>
+        <p:nvSpPr>
+          <p:cNvPr id="18" name="Rectangle 17">
+            <a:extLst>
+              <a:ext uri="{FF2B5EF4-FFF2-40B4-BE49-F238E27FC236}">
+                <a16:creationId xmlns:a16="http://schemas.microsoft.com/office/drawing/2014/main" id="{600B5AE2-C5CC-499C-8F2D-249888BE22C2}"/>
+              </a:ext>
+              <a:ext uri="{C183D7F6-B498-43B3-948B-1728B52AA6E4}">
+                <adec:decorative xmlns:adec="http://schemas.microsoft.com/office/drawing/2017/decorative" val="1"/>
+              </a:ext>
+            </a:extLst>
+          </p:cNvPr>
+          <p:cNvSpPr>
+            <a:spLocks noGrp="1" noRot="1" noChangeAspect="1" noMove="1" noResize="1" noEditPoints="1" noAdjustHandles="1" noChangeArrowheads="1" noChangeShapeType="1" noTextEdit="1"/>
+          </p:cNvSpPr>
+          <p:nvPr>
+            <p:extLst>
+              <p:ext uri="{386F3935-93C4-4BCD-93E2-E3B085C9AB24}">
+                <p16:designElem xmlns:p16="http://schemas.microsoft.com/office/powerpoint/2015/main" val="1"/>
+              </p:ext>
+            </p:extLst>
+          </p:nvPr>
+        </p:nvSpPr>
+        <p:spPr>
+          <a:xfrm>
+            <a:off x="1" y="6400800"/>
+            <a:ext cx="12192000" cy="457200"/>
+          </a:xfrm>
+          <a:prstGeom prst="rect">
+            <a:avLst/>
+          </a:prstGeom>
+          <a:solidFill>
+            <a:schemeClr val="accent2"/>
+          </a:solidFill>
+          <a:ln>
+            <a:noFill/>
+          </a:ln>
+        </p:spPr>
+        <p:style>
+          <a:lnRef idx="2">
+            <a:schemeClr val="accent1">
+              <a:shade val="50000"/>
+            </a:schemeClr>
+          </a:lnRef>
+          <a:fillRef idx="1">
+            <a:schemeClr val="accent1"/>
+          </a:fillRef>
+          <a:effectRef idx="0">
+            <a:schemeClr val="accent1"/>
+          </a:effectRef>
+          <a:fontRef idx="minor">
+            <a:schemeClr val="lt1"/>
+          </a:fontRef>
+        </p:style>
+        <p:txBody>
+          <a:bodyPr/>
+          <a:lstStyle/>
+          <a:p>
+            <a:endParaRPr lang="en-GB"/>
+          </a:p>
+        </p:txBody>
+      </p:sp>
+      <p:sp>
+        <p:nvSpPr>
+          <p:cNvPr id="20" name="Rectangle 19">
+            <a:extLst>
+              <a:ext uri="{FF2B5EF4-FFF2-40B4-BE49-F238E27FC236}">
+                <a16:creationId xmlns:a16="http://schemas.microsoft.com/office/drawing/2014/main" id="{BA7A3698-B350-40E5-8475-9BCC41A089FC}"/>
+              </a:ext>
+              <a:ext uri="{C183D7F6-B498-43B3-948B-1728B52AA6E4}">
+                <adec:decorative xmlns:adec="http://schemas.microsoft.com/office/drawing/2017/decorative" val="1"/>
+              </a:ext>
+            </a:extLst>
+          </p:cNvPr>
+          <p:cNvSpPr>
+            <a:spLocks noGrp="1" noRot="1" noChangeAspect="1" noMove="1" noResize="1" noEditPoints="1" noAdjustHandles="1" noChangeArrowheads="1" noChangeShapeType="1" noTextEdit="1"/>
+          </p:cNvSpPr>
+          <p:nvPr>
+            <p:extLst>
+              <p:ext uri="{386F3935-93C4-4BCD-93E2-E3B085C9AB24}">
+                <p16:designElem xmlns:p16="http://schemas.microsoft.com/office/powerpoint/2015/main" val="1"/>
+              </p:ext>
+            </p:extLst>
+          </p:nvPr>
+        </p:nvSpPr>
+        <p:spPr>
+          <a:xfrm>
+            <a:off x="0" y="6334316"/>
+            <a:ext cx="12192001" cy="65998"/>
+          </a:xfrm>
+          <a:prstGeom prst="rect">
+            <a:avLst/>
+          </a:prstGeom>
+          <a:solidFill>
+            <a:schemeClr val="accent1"/>
+          </a:solidFill>
+          <a:ln>
+            <a:noFill/>
+          </a:ln>
+        </p:spPr>
+        <p:style>
+          <a:lnRef idx="2">
+            <a:schemeClr val="accent1">
+              <a:shade val="50000"/>
+            </a:schemeClr>
+          </a:lnRef>
+          <a:fillRef idx="1">
+            <a:schemeClr val="accent1"/>
+          </a:fillRef>
+          <a:effectRef idx="0">
+            <a:schemeClr val="accent1"/>
+          </a:effectRef>
+          <a:fontRef idx="minor">
+            <a:schemeClr val="lt1"/>
+          </a:fontRef>
+        </p:style>
+        <p:txBody>
+          <a:bodyPr/>
+          <a:lstStyle/>
+          <a:p>
+            <a:endParaRPr lang="en-GB"/>
+          </a:p>
+        </p:txBody>
+      </p:sp>
+      <p:cxnSp>
+        <p:nvCxnSpPr>
+          <p:cNvPr id="22" name="Straight Connector 21">
+            <a:extLst>
+              <a:ext uri="{FF2B5EF4-FFF2-40B4-BE49-F238E27FC236}">
+                <a16:creationId xmlns:a16="http://schemas.microsoft.com/office/drawing/2014/main" id="{0AC655C7-EC94-4BE6-84C8-2F9EFBBB2789}"/>
+              </a:ext>
+              <a:ext uri="{C183D7F6-B498-43B3-948B-1728B52AA6E4}">
+                <adec:decorative xmlns:adec="http://schemas.microsoft.com/office/drawing/2017/decorative" val="1"/>
+              </a:ext>
+            </a:extLst>
+          </p:cNvPr>
+          <p:cNvCxnSpPr>
+            <a:cxnSpLocks noGrp="1" noRot="1" noChangeAspect="1" noMove="1" noResize="1" noEditPoints="1" noAdjustHandles="1" noChangeArrowheads="1" noChangeShapeType="1"/>
+          </p:cNvCxnSpPr>
+          <p:nvPr>
+            <p:extLst>
+              <p:ext uri="{386F3935-93C4-4BCD-93E2-E3B085C9AB24}">
+                <p16:designElem xmlns:p16="http://schemas.microsoft.com/office/powerpoint/2015/main" val="1"/>
+              </p:ext>
+            </p:extLst>
+          </p:nvPr>
+        </p:nvCxnSpPr>
+        <p:spPr>
+          <a:xfrm>
+            <a:off x="1193532" y="1737845"/>
+            <a:ext cx="9966960" cy="0"/>
+          </a:xfrm>
+          <a:prstGeom prst="line">
+            <a:avLst/>
+          </a:prstGeom>
+          <a:ln w="6350">
+            <a:solidFill>
+              <a:schemeClr val="tx1">
+                <a:lumMod val="50000"/>
+                <a:lumOff val="50000"/>
+              </a:schemeClr>
+            </a:solidFill>
+          </a:ln>
+        </p:spPr>
+        <p:style>
+          <a:lnRef idx="1">
+            <a:schemeClr val="accent1"/>
+          </a:lnRef>
+          <a:fillRef idx="0">
+            <a:schemeClr val="accent1"/>
+          </a:fillRef>
+          <a:effectRef idx="0">
+            <a:schemeClr val="accent1"/>
+          </a:effectRef>
+          <a:fontRef idx="minor">
+            <a:schemeClr val="tx1"/>
+          </a:fontRef>
+        </p:style>
+      </p:cxnSp>
+      <p:sp useBgFill="1">
+        <p:nvSpPr>
+          <p:cNvPr id="24" name="Rectangle 23">
+            <a:extLst>
+              <a:ext uri="{FF2B5EF4-FFF2-40B4-BE49-F238E27FC236}">
+                <a16:creationId xmlns:a16="http://schemas.microsoft.com/office/drawing/2014/main" id="{990D0034-F768-41E7-85D4-F38C4DE85770}"/>
+              </a:ext>
+              <a:ext uri="{C183D7F6-B498-43B3-948B-1728B52AA6E4}">
+                <adec:decorative xmlns:adec="http://schemas.microsoft.com/office/drawing/2017/decorative" val="1"/>
+              </a:ext>
+            </a:extLst>
+          </p:cNvPr>
+          <p:cNvSpPr>
+            <a:spLocks noGrp="1" noRot="1" noChangeAspect="1" noMove="1" noResize="1" noEditPoints="1" noAdjustHandles="1" noChangeArrowheads="1" noChangeShapeType="1" noTextEdit="1"/>
+          </p:cNvSpPr>
+          <p:nvPr>
+            <p:extLst>
+              <p:ext uri="{386F3935-93C4-4BCD-93E2-E3B085C9AB24}">
+                <p16:designElem xmlns:p16="http://schemas.microsoft.com/office/powerpoint/2015/main" val="1"/>
+              </p:ext>
+            </p:extLst>
+          </p:nvPr>
+        </p:nvSpPr>
+        <p:spPr>
+          <a:xfrm>
+            <a:off x="0" y="0"/>
+            <a:ext cx="12186315" cy="6858000"/>
+          </a:xfrm>
+          <a:prstGeom prst="rect">
+            <a:avLst/>
+          </a:prstGeom>
+          <a:ln>
+            <a:noFill/>
+          </a:ln>
+        </p:spPr>
+        <p:style>
+          <a:lnRef idx="2">
+            <a:schemeClr val="accent6">
+              <a:shade val="50000"/>
+            </a:schemeClr>
+          </a:lnRef>
+          <a:fillRef idx="1001">
+            <a:schemeClr val="lt1"/>
+          </a:fillRef>
+          <a:effectRef idx="0">
+            <a:schemeClr val="accent6"/>
+          </a:effectRef>
+          <a:fontRef idx="minor">
+            <a:schemeClr val="lt1"/>
+          </a:fontRef>
+        </p:style>
+        <p:txBody>
+          <a:bodyPr rtlCol="0" anchor="ctr"/>
+          <a:lstStyle/>
+          <a:p>
+            <a:pPr algn="ctr"/>
+            <a:endParaRPr lang="en-US"/>
+          </a:p>
+        </p:txBody>
+      </p:sp>
+      <p:sp>
+        <p:nvSpPr>
+          <p:cNvPr id="2" name="Título 1">
+            <a:extLst>
+              <a:ext uri="{FF2B5EF4-FFF2-40B4-BE49-F238E27FC236}">
+                <a16:creationId xmlns:a16="http://schemas.microsoft.com/office/drawing/2014/main" id="{9245807C-7998-E68F-EF66-F5FF6DEF9E9D}"/>
+              </a:ext>
+            </a:extLst>
+          </p:cNvPr>
+          <p:cNvSpPr>
+            <a:spLocks noGrp="1"/>
+          </p:cNvSpPr>
+          <p:nvPr>
+            <p:ph type="ctrTitle"/>
+          </p:nvPr>
+        </p:nvSpPr>
+        <p:spPr>
+          <a:xfrm>
+            <a:off x="477078" y="516835"/>
+            <a:ext cx="3100136" cy="2103875"/>
+          </a:xfrm>
+        </p:spPr>
+        <p:txBody>
+          <a:bodyPr vert="horz" lIns="91440" tIns="45720" rIns="91440" bIns="45720" rtlCol="0" anchor="b">
+            <a:normAutofit/>
+          </a:bodyPr>
+          <a:lstStyle/>
+          <a:p>
+            <a:r>
+              <a:rPr lang="en-US" sz="2500" kern="1200" spc="-50" baseline="0">
+                <a:solidFill>
+                  <a:schemeClr val="tx1">
+                    <a:lumMod val="75000"/>
+                    <a:lumOff val="25000"/>
+                  </a:schemeClr>
+                </a:solidFill>
+                <a:latin typeface="+mj-lt"/>
+                <a:ea typeface="+mj-ea"/>
+                <a:cs typeface="+mj-cs"/>
+              </a:rPr>
+              <a:t>Prediction of the evolution of Alzheimer’s Disease  </a:t>
+            </a:r>
+            <a:br>
+              <a:rPr lang="en-US" sz="2500" kern="1200" spc="-50" baseline="0">
+                <a:solidFill>
+                  <a:schemeClr val="tx1">
+                    <a:lumMod val="75000"/>
+                    <a:lumOff val="25000"/>
+                  </a:schemeClr>
+                </a:solidFill>
+                <a:latin typeface="+mj-lt"/>
+                <a:ea typeface="+mj-ea"/>
+                <a:cs typeface="+mj-cs"/>
+              </a:rPr>
+            </a:br>
+            <a:br>
+              <a:rPr lang="en-US" sz="2500" kern="1200" spc="-50" baseline="0">
+                <a:solidFill>
+                  <a:schemeClr val="tx1">
+                    <a:lumMod val="75000"/>
+                    <a:lumOff val="25000"/>
+                  </a:schemeClr>
+                </a:solidFill>
+                <a:latin typeface="+mj-lt"/>
+                <a:ea typeface="+mj-ea"/>
+                <a:cs typeface="+mj-cs"/>
+              </a:rPr>
+            </a:br>
+            <a:r>
+              <a:rPr lang="en-US" sz="2500" kern="1200" spc="-50" baseline="0">
+                <a:solidFill>
+                  <a:schemeClr val="tx1">
+                    <a:lumMod val="75000"/>
+                    <a:lumOff val="25000"/>
+                  </a:schemeClr>
+                </a:solidFill>
+                <a:latin typeface="+mj-lt"/>
+                <a:ea typeface="+mj-ea"/>
+                <a:cs typeface="+mj-cs"/>
+              </a:rPr>
+              <a:t>A study with a multimodal approach</a:t>
+            </a:r>
+          </a:p>
+        </p:txBody>
+      </p:sp>
+      <p:cxnSp>
+        <p:nvCxnSpPr>
+          <p:cNvPr id="26" name="Straight Connector 25">
+            <a:extLst>
+              <a:ext uri="{FF2B5EF4-FFF2-40B4-BE49-F238E27FC236}">
+                <a16:creationId xmlns:a16="http://schemas.microsoft.com/office/drawing/2014/main" id="{5A0A5CF6-407C-4691-8122-49DF69D0020D}"/>
+              </a:ext>
+              <a:ext uri="{C183D7F6-B498-43B3-948B-1728B52AA6E4}">
+                <adec:decorative xmlns:adec="http://schemas.microsoft.com/office/drawing/2017/decorative" val="1"/>
+              </a:ext>
+            </a:extLst>
+          </p:cNvPr>
+          <p:cNvCxnSpPr>
+            <a:cxnSpLocks noGrp="1" noRot="1" noChangeAspect="1" noMove="1" noResize="1" noEditPoints="1" noAdjustHandles="1" noChangeArrowheads="1" noChangeShapeType="1"/>
+          </p:cNvCxnSpPr>
+          <p:nvPr>
+            <p:extLst>
+              <p:ext uri="{386F3935-93C4-4BCD-93E2-E3B085C9AB24}">
+                <p16:designElem xmlns:p16="http://schemas.microsoft.com/office/powerpoint/2015/main" val="1"/>
+              </p:ext>
+            </p:extLst>
+          </p:nvPr>
+        </p:nvCxnSpPr>
+        <p:spPr>
+          <a:xfrm>
+            <a:off x="590927" y="2633962"/>
+            <a:ext cx="2743200" cy="0"/>
+          </a:xfrm>
+          <a:prstGeom prst="line">
+            <a:avLst/>
+          </a:prstGeom>
+          <a:ln w="6350">
+            <a:solidFill>
+              <a:schemeClr val="tx1">
+                <a:lumMod val="50000"/>
+                <a:lumOff val="50000"/>
+                <a:alpha val="90000"/>
+              </a:schemeClr>
+            </a:solidFill>
+          </a:ln>
+        </p:spPr>
+        <p:style>
+          <a:lnRef idx="1">
+            <a:schemeClr val="accent1"/>
+          </a:lnRef>
+          <a:fillRef idx="0">
+            <a:schemeClr val="accent1"/>
+          </a:fillRef>
+          <a:effectRef idx="0">
+            <a:schemeClr val="accent1"/>
+          </a:effectRef>
+          <a:fontRef idx="minor">
+            <a:schemeClr val="tx1"/>
+          </a:fontRef>
+        </p:style>
+      </p:cxnSp>
+      <p:sp>
+        <p:nvSpPr>
+          <p:cNvPr id="3" name="Subtítulo 2">
+            <a:extLst>
+              <a:ext uri="{FF2B5EF4-FFF2-40B4-BE49-F238E27FC236}">
+                <a16:creationId xmlns:a16="http://schemas.microsoft.com/office/drawing/2014/main" id="{0DBFB365-9C79-DDA8-7A0E-605004AB0A30}"/>
+              </a:ext>
+            </a:extLst>
+          </p:cNvPr>
+          <p:cNvSpPr>
+            <a:spLocks noGrp="1"/>
+          </p:cNvSpPr>
+          <p:nvPr>
+            <p:ph type="subTitle" idx="1"/>
+          </p:nvPr>
+        </p:nvSpPr>
+        <p:spPr>
+          <a:xfrm>
+            <a:off x="492371" y="2736574"/>
+            <a:ext cx="3084844" cy="3366047"/>
+          </a:xfrm>
+        </p:spPr>
+        <p:txBody>
+          <a:bodyPr vert="horz" lIns="0" tIns="45720" rIns="0" bIns="45720" rtlCol="0">
+            <a:normAutofit/>
+          </a:bodyPr>
+          <a:lstStyle/>
+          <a:p>
+            <a:r>
+              <a:rPr lang="en-US" sz="1500" b="1">
+                <a:solidFill>
+                  <a:schemeClr val="tx1">
+                    <a:lumMod val="75000"/>
+                    <a:lumOff val="25000"/>
+                  </a:schemeClr>
+                </a:solidFill>
+                <a:latin typeface="+mn-lt"/>
+              </a:rPr>
+              <a:t>Ciarán McEvoy, A87240</a:t>
+            </a:r>
+          </a:p>
+          <a:p>
+            <a:endParaRPr lang="en-US" sz="1500">
+              <a:solidFill>
+                <a:schemeClr val="tx1">
+                  <a:lumMod val="75000"/>
+                  <a:lumOff val="25000"/>
+                </a:schemeClr>
+              </a:solidFill>
+              <a:latin typeface="+mn-lt"/>
+            </a:endParaRPr>
+          </a:p>
+          <a:p>
+            <a:r>
+              <a:rPr lang="en-US" sz="1500">
+                <a:solidFill>
+                  <a:schemeClr val="tx1">
+                    <a:lumMod val="75000"/>
+                    <a:lumOff val="25000"/>
+                  </a:schemeClr>
+                </a:solidFill>
+                <a:latin typeface="+mn-lt"/>
+              </a:rPr>
+              <a:t>Dissertation supervised by </a:t>
+            </a:r>
+          </a:p>
+          <a:p>
+            <a:r>
+              <a:rPr lang="en-US" sz="1500">
+                <a:solidFill>
+                  <a:schemeClr val="tx1">
+                    <a:lumMod val="75000"/>
+                    <a:lumOff val="25000"/>
+                  </a:schemeClr>
+                </a:solidFill>
+                <a:latin typeface="+mn-lt"/>
+              </a:rPr>
+              <a:t>Vitor Alves </a:t>
+            </a:r>
+          </a:p>
+          <a:p>
+            <a:r>
+              <a:rPr lang="en-US" sz="1500">
+                <a:solidFill>
+                  <a:schemeClr val="tx1">
+                    <a:lumMod val="75000"/>
+                    <a:lumOff val="25000"/>
+                  </a:schemeClr>
+                </a:solidFill>
+                <a:latin typeface="+mn-lt"/>
+              </a:rPr>
+              <a:t>Tiago Gil Oliveira</a:t>
+            </a:r>
+          </a:p>
+        </p:txBody>
+      </p:sp>
+      <p:pic>
+        <p:nvPicPr>
+          <p:cNvPr id="5" name="Picture 4">
+            <a:extLst>
+              <a:ext uri="{FF2B5EF4-FFF2-40B4-BE49-F238E27FC236}">
+                <a16:creationId xmlns:a16="http://schemas.microsoft.com/office/drawing/2014/main" id="{0B5537B3-8D7E-16AC-5F90-E69D03C80583}"/>
+              </a:ext>
+            </a:extLst>
+          </p:cNvPr>
+          <p:cNvPicPr>
+            <a:picLocks noChangeAspect="1"/>
+          </p:cNvPicPr>
+          <p:nvPr/>
+        </p:nvPicPr>
+        <p:blipFill>
+          <a:blip r:embed="rId2"/>
+          <a:srcRect l="4021" r="4019" b="-2"/>
+          <a:stretch/>
+        </p:blipFill>
+        <p:spPr>
+          <a:xfrm>
+            <a:off x="4075043" y="10"/>
+            <a:ext cx="8111272" cy="6857990"/>
+          </a:xfrm>
+          <a:prstGeom prst="rect">
+            <a:avLst/>
+          </a:prstGeom>
+        </p:spPr>
+      </p:pic>
+    </p:spTree>
+    <p:extLst>
+      <p:ext uri="{BB962C8B-B14F-4D97-AF65-F5344CB8AC3E}">
+        <p14:creationId xmlns:p14="http://schemas.microsoft.com/office/powerpoint/2010/main" val="1687923653"/>
       </p:ext>
     </p:extLst>
   </p:cSld>

--- a/tese_pp.pptx
+++ b/tese_pp.pptx
@@ -31,11 +31,12 @@
     <p:sldId id="295" r:id="rId25"/>
     <p:sldId id="304" r:id="rId26"/>
     <p:sldId id="303" r:id="rId27"/>
-    <p:sldId id="305" r:id="rId28"/>
-    <p:sldId id="307" r:id="rId29"/>
-    <p:sldId id="306" r:id="rId30"/>
-    <p:sldId id="308" r:id="rId31"/>
-    <p:sldId id="281" r:id="rId32"/>
+    <p:sldId id="309" r:id="rId28"/>
+    <p:sldId id="305" r:id="rId29"/>
+    <p:sldId id="307" r:id="rId30"/>
+    <p:sldId id="306" r:id="rId31"/>
+    <p:sldId id="308" r:id="rId32"/>
+    <p:sldId id="281" r:id="rId33"/>
   </p:sldIdLst>
   <p:sldSz cx="12192000" cy="6858000"/>
   <p:notesSz cx="6858000" cy="9144000"/>
@@ -368,7 +369,7 @@
           <a:p>
             <a:fld id="{F6D29B07-CB44-4619-9F28-117145874ED9}" type="datetimeFigureOut">
               <a:rPr lang="pt-PT" smtClean="0"/>
-              <a:t>31/07/2024</a:t>
+              <a:t>27/08/2024</a:t>
             </a:fld>
             <a:endParaRPr lang="pt-PT"/>
           </a:p>
@@ -576,7 +577,7 @@
           <a:p>
             <a:fld id="{F6D29B07-CB44-4619-9F28-117145874ED9}" type="datetimeFigureOut">
               <a:rPr lang="pt-PT" smtClean="0"/>
-              <a:t>31/07/2024</a:t>
+              <a:t>27/08/2024</a:t>
             </a:fld>
             <a:endParaRPr lang="pt-PT"/>
           </a:p>
@@ -832,7 +833,7 @@
           <a:p>
             <a:fld id="{F6D29B07-CB44-4619-9F28-117145874ED9}" type="datetimeFigureOut">
               <a:rPr lang="pt-PT" smtClean="0"/>
-              <a:t>31/07/2024</a:t>
+              <a:t>27/08/2024</a:t>
             </a:fld>
             <a:endParaRPr lang="pt-PT"/>
           </a:p>
@@ -1006,7 +1007,7 @@
           <a:p>
             <a:fld id="{F6D29B07-CB44-4619-9F28-117145874ED9}" type="datetimeFigureOut">
               <a:rPr lang="pt-PT" smtClean="0"/>
-              <a:t>31/07/2024</a:t>
+              <a:t>27/08/2024</a:t>
             </a:fld>
             <a:endParaRPr lang="pt-PT"/>
           </a:p>
@@ -1349,7 +1350,7 @@
           <a:p>
             <a:fld id="{F6D29B07-CB44-4619-9F28-117145874ED9}" type="datetimeFigureOut">
               <a:rPr lang="pt-PT" smtClean="0"/>
-              <a:t>31/07/2024</a:t>
+              <a:t>27/08/2024</a:t>
             </a:fld>
             <a:endParaRPr lang="pt-PT"/>
           </a:p>
@@ -1624,7 +1625,7 @@
           <a:p>
             <a:fld id="{F6D29B07-CB44-4619-9F28-117145874ED9}" type="datetimeFigureOut">
               <a:rPr lang="pt-PT" smtClean="0"/>
-              <a:t>31/07/2024</a:t>
+              <a:t>27/08/2024</a:t>
             </a:fld>
             <a:endParaRPr lang="pt-PT"/>
           </a:p>
@@ -2003,7 +2004,7 @@
           <a:p>
             <a:fld id="{F6D29B07-CB44-4619-9F28-117145874ED9}" type="datetimeFigureOut">
               <a:rPr lang="pt-PT" smtClean="0"/>
-              <a:t>31/07/2024</a:t>
+              <a:t>27/08/2024</a:t>
             </a:fld>
             <a:endParaRPr lang="pt-PT"/>
           </a:p>
@@ -2121,7 +2122,7 @@
           <a:p>
             <a:fld id="{F6D29B07-CB44-4619-9F28-117145874ED9}" type="datetimeFigureOut">
               <a:rPr lang="pt-PT" smtClean="0"/>
-              <a:t>31/07/2024</a:t>
+              <a:t>27/08/2024</a:t>
             </a:fld>
             <a:endParaRPr lang="pt-PT"/>
           </a:p>
@@ -2292,7 +2293,7 @@
           <a:p>
             <a:fld id="{F6D29B07-CB44-4619-9F28-117145874ED9}" type="datetimeFigureOut">
               <a:rPr lang="pt-PT" smtClean="0"/>
-              <a:t>31/07/2024</a:t>
+              <a:t>27/08/2024</a:t>
             </a:fld>
             <a:endParaRPr lang="pt-PT"/>
           </a:p>
@@ -2646,7 +2647,7 @@
           <a:p>
             <a:fld id="{F6D29B07-CB44-4619-9F28-117145874ED9}" type="datetimeFigureOut">
               <a:rPr lang="pt-PT" smtClean="0"/>
-              <a:t>31/07/2024</a:t>
+              <a:t>27/08/2024</a:t>
             </a:fld>
             <a:endParaRPr lang="pt-PT"/>
           </a:p>
@@ -3028,7 +3029,7 @@
           <a:p>
             <a:fld id="{F6D29B07-CB44-4619-9F28-117145874ED9}" type="datetimeFigureOut">
               <a:rPr lang="pt-PT" smtClean="0"/>
-              <a:t>31/07/2024</a:t>
+              <a:t>27/08/2024</a:t>
             </a:fld>
             <a:endParaRPr lang="pt-PT"/>
           </a:p>
@@ -3315,7 +3316,7 @@
           <a:p>
             <a:fld id="{F6D29B07-CB44-4619-9F28-117145874ED9}" type="datetimeFigureOut">
               <a:rPr lang="pt-PT" smtClean="0"/>
-              <a:t>31/07/2024</a:t>
+              <a:t>27/08/2024</a:t>
             </a:fld>
             <a:endParaRPr lang="pt-PT"/>
           </a:p>
@@ -7631,10 +7632,10 @@
       </p:grpSpPr>
       <p:pic>
         <p:nvPicPr>
-          <p:cNvPr id="3" name="Picture 2">
-            <a:extLst>
-              <a:ext uri="{FF2B5EF4-FFF2-40B4-BE49-F238E27FC236}">
-                <a16:creationId xmlns:a16="http://schemas.microsoft.com/office/drawing/2014/main" id="{FE01C662-49C5-4592-3CDB-66845659A304}"/>
+          <p:cNvPr id="3" name="Imagem 2">
+            <a:extLst>
+              <a:ext uri="{FF2B5EF4-FFF2-40B4-BE49-F238E27FC236}">
+                <a16:creationId xmlns:a16="http://schemas.microsoft.com/office/drawing/2014/main" id="{F2A759A4-79DA-4025-CE11-7B3EC462AF35}"/>
               </a:ext>
             </a:extLst>
           </p:cNvPr>
@@ -7651,69 +7652,18 @@
         </p:blipFill>
         <p:spPr>
           <a:xfrm>
-            <a:off x="3905060" y="1"/>
-            <a:ext cx="4072916" cy="6105831"/>
+            <a:off x="3955101" y="0"/>
+            <a:ext cx="4084975" cy="6137393"/>
           </a:xfrm>
           <a:prstGeom prst="rect">
             <a:avLst/>
           </a:prstGeom>
         </p:spPr>
       </p:pic>
-      <p:sp>
-        <p:nvSpPr>
-          <p:cNvPr id="4" name="TextBox 3">
-            <a:extLst>
-              <a:ext uri="{FF2B5EF4-FFF2-40B4-BE49-F238E27FC236}">
-                <a16:creationId xmlns:a16="http://schemas.microsoft.com/office/drawing/2014/main" id="{762577AB-8209-8B96-22BC-A902674DDC89}"/>
-              </a:ext>
-            </a:extLst>
-          </p:cNvPr>
-          <p:cNvSpPr txBox="1"/>
-          <p:nvPr/>
-        </p:nvSpPr>
-        <p:spPr>
-          <a:xfrm>
-            <a:off x="609600" y="2202426"/>
-            <a:ext cx="2281084" cy="1477328"/>
-          </a:xfrm>
-          <a:prstGeom prst="rect">
-            <a:avLst/>
-          </a:prstGeom>
-          <a:noFill/>
-        </p:spPr>
-        <p:txBody>
-          <a:bodyPr wrap="square" rtlCol="0">
-            <a:spAutoFit/>
-          </a:bodyPr>
-          <a:lstStyle/>
-          <a:p>
-            <a:r>
-              <a:rPr lang="en-GB" dirty="0"/>
-              <a:t>*</a:t>
-            </a:r>
-            <a:r>
-              <a:rPr lang="pt-PT" dirty="0"/>
-              <a:t>removidos pacientes com MCI e uma idade superior a 70</a:t>
-            </a:r>
-          </a:p>
-          <a:p>
-            <a:r>
-              <a:rPr lang="pt-PT" dirty="0"/>
-              <a:t>Eclipse nível 0.30</a:t>
-            </a:r>
-          </a:p>
-          <a:p>
-            <a:r>
-              <a:rPr lang="pt-PT" dirty="0"/>
-              <a:t>Top 200</a:t>
-            </a:r>
-          </a:p>
-        </p:txBody>
-      </p:sp>
     </p:spTree>
     <p:extLst>
       <p:ext uri="{BB962C8B-B14F-4D97-AF65-F5344CB8AC3E}">
-        <p14:creationId xmlns:p14="http://schemas.microsoft.com/office/powerpoint/2010/main" val="2058350274"/>
+        <p14:creationId xmlns:p14="http://schemas.microsoft.com/office/powerpoint/2010/main" val="2488680116"/>
       </p:ext>
     </p:extLst>
   </p:cSld>
@@ -7742,10 +7692,10 @@
       </p:grpSpPr>
       <p:pic>
         <p:nvPicPr>
-          <p:cNvPr id="3" name="Imagem 2">
-            <a:extLst>
-              <a:ext uri="{FF2B5EF4-FFF2-40B4-BE49-F238E27FC236}">
-                <a16:creationId xmlns:a16="http://schemas.microsoft.com/office/drawing/2014/main" id="{BEFF5908-D698-B3B5-670C-F1C53CF82C85}"/>
+          <p:cNvPr id="3" name="Picture 2">
+            <a:extLst>
+              <a:ext uri="{FF2B5EF4-FFF2-40B4-BE49-F238E27FC236}">
+                <a16:creationId xmlns:a16="http://schemas.microsoft.com/office/drawing/2014/main" id="{FE01C662-49C5-4592-3CDB-66845659A304}"/>
               </a:ext>
             </a:extLst>
           </p:cNvPr>
@@ -7762,8 +7712,8 @@
         </p:blipFill>
         <p:spPr>
           <a:xfrm>
-            <a:off x="3916491" y="1"/>
-            <a:ext cx="4145961" cy="6247934"/>
+            <a:off x="3905060" y="1"/>
+            <a:ext cx="4072916" cy="6105831"/>
           </a:xfrm>
           <a:prstGeom prst="rect">
             <a:avLst/>
@@ -7775,7 +7725,7 @@
           <p:cNvPr id="4" name="TextBox 3">
             <a:extLst>
               <a:ext uri="{FF2B5EF4-FFF2-40B4-BE49-F238E27FC236}">
-                <a16:creationId xmlns:a16="http://schemas.microsoft.com/office/drawing/2014/main" id="{765C9745-B3EE-A6F5-3EE0-42262A93AA2A}"/>
+                <a16:creationId xmlns:a16="http://schemas.microsoft.com/office/drawing/2014/main" id="{762577AB-8209-8B96-22BC-A902674DDC89}"/>
               </a:ext>
             </a:extLst>
           </p:cNvPr>
@@ -7785,7 +7735,7 @@
         <p:spPr>
           <a:xfrm>
             <a:off x="609600" y="2202426"/>
-            <a:ext cx="2281084" cy="1754326"/>
+            <a:ext cx="2281084" cy="1477328"/>
           </a:xfrm>
           <a:prstGeom prst="rect">
             <a:avLst/>
@@ -7816,22 +7766,15 @@
           <a:p>
             <a:r>
               <a:rPr lang="pt-PT" dirty="0"/>
-              <a:t>Top 100</a:t>
-            </a:r>
-          </a:p>
-          <a:p>
-            <a:r>
-              <a:rPr lang="pt-PT" dirty="0" err="1"/>
-              <a:t>Biplot</a:t>
-            </a:r>
-            <a:endParaRPr lang="pt-PT" dirty="0"/>
+              <a:t>Top 200</a:t>
+            </a:r>
           </a:p>
         </p:txBody>
       </p:sp>
     </p:spTree>
     <p:extLst>
       <p:ext uri="{BB962C8B-B14F-4D97-AF65-F5344CB8AC3E}">
-        <p14:creationId xmlns:p14="http://schemas.microsoft.com/office/powerpoint/2010/main" val="162240729"/>
+        <p14:creationId xmlns:p14="http://schemas.microsoft.com/office/powerpoint/2010/main" val="2058350274"/>
       </p:ext>
     </p:extLst>
   </p:cSld>
@@ -7863,7 +7806,7 @@
           <p:cNvPr id="3" name="Imagem 2">
             <a:extLst>
               <a:ext uri="{FF2B5EF4-FFF2-40B4-BE49-F238E27FC236}">
-                <a16:creationId xmlns:a16="http://schemas.microsoft.com/office/drawing/2014/main" id="{C10A0BEA-4E5F-A489-CAA8-F69594ADA33A}"/>
+                <a16:creationId xmlns:a16="http://schemas.microsoft.com/office/drawing/2014/main" id="{BEFF5908-D698-B3B5-670C-F1C53CF82C85}"/>
               </a:ext>
             </a:extLst>
           </p:cNvPr>
@@ -7880,8 +7823,8 @@
         </p:blipFill>
         <p:spPr>
           <a:xfrm>
-            <a:off x="3817274" y="140685"/>
-            <a:ext cx="4019036" cy="6021577"/>
+            <a:off x="3916491" y="1"/>
+            <a:ext cx="4145961" cy="6247934"/>
           </a:xfrm>
           <a:prstGeom prst="rect">
             <a:avLst/>
@@ -7893,7 +7836,7 @@
           <p:cNvPr id="4" name="TextBox 3">
             <a:extLst>
               <a:ext uri="{FF2B5EF4-FFF2-40B4-BE49-F238E27FC236}">
-                <a16:creationId xmlns:a16="http://schemas.microsoft.com/office/drawing/2014/main" id="{43CDD18E-30E5-5A49-C59E-FEB2209D1076}"/>
+                <a16:creationId xmlns:a16="http://schemas.microsoft.com/office/drawing/2014/main" id="{765C9745-B3EE-A6F5-3EE0-42262A93AA2A}"/>
               </a:ext>
             </a:extLst>
           </p:cNvPr>
@@ -7902,7 +7845,7 @@
         </p:nvSpPr>
         <p:spPr>
           <a:xfrm>
-            <a:off x="324465" y="875071"/>
+            <a:off x="609600" y="2202426"/>
             <a:ext cx="2281084" cy="1754326"/>
           </a:xfrm>
           <a:prstGeom prst="rect">
@@ -7934,7 +7877,7 @@
           <a:p>
             <a:r>
               <a:rPr lang="pt-PT" dirty="0"/>
-              <a:t>Top 30 contribuições</a:t>
+              <a:t>Top 100</a:t>
             </a:r>
           </a:p>
           <a:p>
@@ -7949,7 +7892,7 @@
     </p:spTree>
     <p:extLst>
       <p:ext uri="{BB962C8B-B14F-4D97-AF65-F5344CB8AC3E}">
-        <p14:creationId xmlns:p14="http://schemas.microsoft.com/office/powerpoint/2010/main" val="1091857663"/>
+        <p14:creationId xmlns:p14="http://schemas.microsoft.com/office/powerpoint/2010/main" val="162240729"/>
       </p:ext>
     </p:extLst>
   </p:cSld>
@@ -8339,6 +8282,124 @@
           <p:cNvPr id="3" name="Imagem 2">
             <a:extLst>
               <a:ext uri="{FF2B5EF4-FFF2-40B4-BE49-F238E27FC236}">
+                <a16:creationId xmlns:a16="http://schemas.microsoft.com/office/drawing/2014/main" id="{C10A0BEA-4E5F-A489-CAA8-F69594ADA33A}"/>
+              </a:ext>
+            </a:extLst>
+          </p:cNvPr>
+          <p:cNvPicPr>
+            <a:picLocks noChangeAspect="1"/>
+          </p:cNvPicPr>
+          <p:nvPr/>
+        </p:nvPicPr>
+        <p:blipFill>
+          <a:blip r:embed="rId2"/>
+          <a:stretch>
+            <a:fillRect/>
+          </a:stretch>
+        </p:blipFill>
+        <p:spPr>
+          <a:xfrm>
+            <a:off x="3817274" y="140685"/>
+            <a:ext cx="4019036" cy="6021577"/>
+          </a:xfrm>
+          <a:prstGeom prst="rect">
+            <a:avLst/>
+          </a:prstGeom>
+        </p:spPr>
+      </p:pic>
+      <p:sp>
+        <p:nvSpPr>
+          <p:cNvPr id="4" name="TextBox 3">
+            <a:extLst>
+              <a:ext uri="{FF2B5EF4-FFF2-40B4-BE49-F238E27FC236}">
+                <a16:creationId xmlns:a16="http://schemas.microsoft.com/office/drawing/2014/main" id="{43CDD18E-30E5-5A49-C59E-FEB2209D1076}"/>
+              </a:ext>
+            </a:extLst>
+          </p:cNvPr>
+          <p:cNvSpPr txBox="1"/>
+          <p:nvPr/>
+        </p:nvSpPr>
+        <p:spPr>
+          <a:xfrm>
+            <a:off x="324465" y="875071"/>
+            <a:ext cx="2281084" cy="1754326"/>
+          </a:xfrm>
+          <a:prstGeom prst="rect">
+            <a:avLst/>
+          </a:prstGeom>
+          <a:noFill/>
+        </p:spPr>
+        <p:txBody>
+          <a:bodyPr wrap="square" rtlCol="0">
+            <a:spAutoFit/>
+          </a:bodyPr>
+          <a:lstStyle/>
+          <a:p>
+            <a:r>
+              <a:rPr lang="en-GB" dirty="0"/>
+              <a:t>*</a:t>
+            </a:r>
+            <a:r>
+              <a:rPr lang="pt-PT" dirty="0"/>
+              <a:t>removidos pacientes com MCI e uma idade superior a 70</a:t>
+            </a:r>
+          </a:p>
+          <a:p>
+            <a:r>
+              <a:rPr lang="pt-PT" dirty="0"/>
+              <a:t>Eclipse nível 0.30</a:t>
+            </a:r>
+          </a:p>
+          <a:p>
+            <a:r>
+              <a:rPr lang="pt-PT" dirty="0"/>
+              <a:t>Top 30 contribuições</a:t>
+            </a:r>
+          </a:p>
+          <a:p>
+            <a:r>
+              <a:rPr lang="pt-PT" dirty="0" err="1"/>
+              <a:t>Biplot</a:t>
+            </a:r>
+            <a:endParaRPr lang="pt-PT" dirty="0"/>
+          </a:p>
+        </p:txBody>
+      </p:sp>
+    </p:spTree>
+    <p:extLst>
+      <p:ext uri="{BB962C8B-B14F-4D97-AF65-F5344CB8AC3E}">
+        <p14:creationId xmlns:p14="http://schemas.microsoft.com/office/powerpoint/2010/main" val="1091857663"/>
+      </p:ext>
+    </p:extLst>
+  </p:cSld>
+  <p:clrMapOvr>
+    <a:masterClrMapping/>
+  </p:clrMapOvr>
+</p:sld>
+</file>
+
+<file path=ppt/slides/slide31.xml><?xml version="1.0" encoding="utf-8"?>
+<p:sld xmlns:a="http://schemas.openxmlformats.org/drawingml/2006/main" xmlns:r="http://schemas.openxmlformats.org/officeDocument/2006/relationships" xmlns:p="http://schemas.openxmlformats.org/presentationml/2006/main">
+  <p:cSld>
+    <p:spTree>
+      <p:nvGrpSpPr>
+        <p:cNvPr id="1" name=""/>
+        <p:cNvGrpSpPr/>
+        <p:nvPr/>
+      </p:nvGrpSpPr>
+      <p:grpSpPr>
+        <a:xfrm>
+          <a:off x="0" y="0"/>
+          <a:ext cx="0" cy="0"/>
+          <a:chOff x="0" y="0"/>
+          <a:chExt cx="0" cy="0"/>
+        </a:xfrm>
+      </p:grpSpPr>
+      <p:pic>
+        <p:nvPicPr>
+          <p:cNvPr id="3" name="Imagem 2">
+            <a:extLst>
+              <a:ext uri="{FF2B5EF4-FFF2-40B4-BE49-F238E27FC236}">
                 <a16:creationId xmlns:a16="http://schemas.microsoft.com/office/drawing/2014/main" id="{BFFF1B2A-48AE-1590-19F8-A3FA4D0C3E10}"/>
               </a:ext>
             </a:extLst>
@@ -8435,7 +8496,7 @@
 </p:sld>
 </file>
 
-<file path=ppt/slides/slide31.xml><?xml version="1.0" encoding="utf-8"?>
+<file path=ppt/slides/slide32.xml><?xml version="1.0" encoding="utf-8"?>
 <p:sld xmlns:a="http://schemas.openxmlformats.org/drawingml/2006/main" xmlns:r="http://schemas.openxmlformats.org/officeDocument/2006/relationships" xmlns:p="http://schemas.openxmlformats.org/presentationml/2006/main">
   <p:cSld>
     <p:bg>
